--- a/Debug/session1/Debugging Workshop 1.pptx
+++ b/Debug/session1/Debugging Workshop 1.pptx
@@ -347,7 +347,7 @@
               <a:pPr>
                 <a:defRPr/>
               </a:pPr>
-              <a:t>8/11/2016</a:t>
+              <a:t>8/12/2016</a:t>
             </a:fld>
             <a:endParaRPr lang="en-US"/>
           </a:p>
@@ -788,7 +788,7 @@
           </a:ln>
           <a:extLst>
             <a:ext uri="{909E8E84-426E-40dd-AFC4-6F175D3DCCD1}">
-              <a14:hiddenFill xmlns="" xmlns:a14="http://schemas.microsoft.com/office/drawing/2010/main">
+              <a14:hiddenFill xmlns:a14="http://schemas.microsoft.com/office/drawing/2010/main" xmlns="">
                 <a:noFill/>
               </a14:hiddenFill>
             </a:ext>
@@ -832,7 +832,7 @@
           </a:ln>
           <a:extLst>
             <a:ext uri="{909E8E84-426E-40dd-AFC4-6F175D3DCCD1}">
-              <a14:hiddenFill xmlns="" xmlns:a14="http://schemas.microsoft.com/office/drawing/2010/main">
+              <a14:hiddenFill xmlns:a14="http://schemas.microsoft.com/office/drawing/2010/main" xmlns="">
                 <a:noFill/>
               </a14:hiddenFill>
             </a:ext>
@@ -881,14 +881,14 @@
           </a:ln>
           <a:extLst>
             <a:ext uri="{909E8E84-426E-40dd-AFC4-6F175D3DCCD1}">
-              <a14:hiddenFill xmlns="" xmlns:a14="http://schemas.microsoft.com/office/drawing/2010/main">
+              <a14:hiddenFill xmlns:a14="http://schemas.microsoft.com/office/drawing/2010/main" xmlns="">
                 <a:solidFill>
                   <a:srgbClr val="FFFFFF"/>
                 </a:solidFill>
               </a14:hiddenFill>
             </a:ext>
             <a:ext uri="{91240B29-F687-4f45-9708-019B960494DF}">
-              <a14:hiddenLine xmlns="" xmlns:a14="http://schemas.microsoft.com/office/drawing/2010/main" w="9525">
+              <a14:hiddenLine xmlns:a14="http://schemas.microsoft.com/office/drawing/2010/main" xmlns="" w="9525">
                 <a:solidFill>
                   <a:srgbClr val="000000"/>
                 </a:solidFill>
@@ -1234,7 +1234,7 @@
           </a:ln>
           <a:extLst>
             <a:ext uri="{909E8E84-426E-40dd-AFC4-6F175D3DCCD1}">
-              <a14:hiddenFill xmlns="" xmlns:a14="http://schemas.microsoft.com/office/drawing/2010/main">
+              <a14:hiddenFill xmlns:a14="http://schemas.microsoft.com/office/drawing/2010/main" xmlns="">
                 <a:noFill/>
               </a14:hiddenFill>
             </a:ext>
@@ -1283,14 +1283,14 @@
           </a:ln>
           <a:extLst>
             <a:ext uri="{909E8E84-426E-40dd-AFC4-6F175D3DCCD1}">
-              <a14:hiddenFill xmlns="" xmlns:a14="http://schemas.microsoft.com/office/drawing/2010/main">
+              <a14:hiddenFill xmlns:a14="http://schemas.microsoft.com/office/drawing/2010/main" xmlns="">
                 <a:solidFill>
                   <a:srgbClr val="FFFFFF"/>
                 </a:solidFill>
               </a14:hiddenFill>
             </a:ext>
             <a:ext uri="{91240B29-F687-4f45-9708-019B960494DF}">
-              <a14:hiddenLine xmlns="" xmlns:a14="http://schemas.microsoft.com/office/drawing/2010/main" w="9525">
+              <a14:hiddenLine xmlns:a14="http://schemas.microsoft.com/office/drawing/2010/main" xmlns="" w="9525">
                 <a:solidFill>
                   <a:srgbClr val="000000"/>
                 </a:solidFill>
@@ -1519,7 +1519,7 @@
           </a:ln>
           <a:extLst>
             <a:ext uri="{909E8E84-426E-40dd-AFC4-6F175D3DCCD1}">
-              <a14:hiddenFill xmlns="" xmlns:a14="http://schemas.microsoft.com/office/drawing/2010/main">
+              <a14:hiddenFill xmlns:a14="http://schemas.microsoft.com/office/drawing/2010/main" xmlns="">
                 <a:noFill/>
               </a14:hiddenFill>
             </a:ext>
@@ -1563,7 +1563,7 @@
           </a:ln>
           <a:extLst>
             <a:ext uri="{909E8E84-426E-40dd-AFC4-6F175D3DCCD1}">
-              <a14:hiddenFill xmlns="" xmlns:a14="http://schemas.microsoft.com/office/drawing/2010/main">
+              <a14:hiddenFill xmlns:a14="http://schemas.microsoft.com/office/drawing/2010/main" xmlns="">
                 <a:noFill/>
               </a14:hiddenFill>
             </a:ext>
@@ -1612,14 +1612,14 @@
           </a:ln>
           <a:extLst>
             <a:ext uri="{909E8E84-426E-40dd-AFC4-6F175D3DCCD1}">
-              <a14:hiddenFill xmlns="" xmlns:a14="http://schemas.microsoft.com/office/drawing/2010/main">
+              <a14:hiddenFill xmlns:a14="http://schemas.microsoft.com/office/drawing/2010/main" xmlns="">
                 <a:solidFill>
                   <a:srgbClr val="FFFFFF"/>
                 </a:solidFill>
               </a14:hiddenFill>
             </a:ext>
             <a:ext uri="{91240B29-F687-4f45-9708-019B960494DF}">
-              <a14:hiddenLine xmlns="" xmlns:a14="http://schemas.microsoft.com/office/drawing/2010/main" w="9525">
+              <a14:hiddenLine xmlns:a14="http://schemas.microsoft.com/office/drawing/2010/main" xmlns="" w="9525">
                 <a:solidFill>
                   <a:srgbClr val="000000"/>
                 </a:solidFill>
@@ -1891,7 +1891,7 @@
           </a:ln>
           <a:extLst>
             <a:ext uri="{909E8E84-426E-40dd-AFC4-6F175D3DCCD1}">
-              <a14:hiddenFill xmlns="" xmlns:a14="http://schemas.microsoft.com/office/drawing/2010/main">
+              <a14:hiddenFill xmlns:a14="http://schemas.microsoft.com/office/drawing/2010/main" xmlns="">
                 <a:noFill/>
               </a14:hiddenFill>
             </a:ext>
@@ -2103,7 +2103,7 @@
           </a:ln>
           <a:extLst>
             <a:ext uri="{909E8E84-426E-40dd-AFC4-6F175D3DCCD1}">
-              <a14:hiddenFill xmlns="" xmlns:a14="http://schemas.microsoft.com/office/drawing/2010/main">
+              <a14:hiddenFill xmlns:a14="http://schemas.microsoft.com/office/drawing/2010/main" xmlns="">
                 <a:noFill/>
               </a14:hiddenFill>
             </a:ext>
@@ -2320,7 +2320,7 @@
           </a:ln>
           <a:extLst>
             <a:ext uri="{909E8E84-426E-40dd-AFC4-6F175D3DCCD1}">
-              <a14:hiddenFill xmlns="" xmlns:a14="http://schemas.microsoft.com/office/drawing/2010/main">
+              <a14:hiddenFill xmlns:a14="http://schemas.microsoft.com/office/drawing/2010/main" xmlns="">
                 <a:noFill/>
               </a14:hiddenFill>
             </a:ext>
@@ -2569,7 +2569,7 @@
           </a:ln>
           <a:extLst>
             <a:ext uri="{909E8E84-426E-40dd-AFC4-6F175D3DCCD1}">
-              <a14:hiddenFill xmlns="" xmlns:a14="http://schemas.microsoft.com/office/drawing/2010/main">
+              <a14:hiddenFill xmlns:a14="http://schemas.microsoft.com/office/drawing/2010/main" xmlns="">
                 <a:noFill/>
               </a14:hiddenFill>
             </a:ext>
@@ -2618,14 +2618,14 @@
           </a:ln>
           <a:extLst>
             <a:ext uri="{909E8E84-426E-40dd-AFC4-6F175D3DCCD1}">
-              <a14:hiddenFill xmlns="" xmlns:a14="http://schemas.microsoft.com/office/drawing/2010/main">
+              <a14:hiddenFill xmlns:a14="http://schemas.microsoft.com/office/drawing/2010/main" xmlns="">
                 <a:solidFill>
                   <a:srgbClr val="FFFFFF"/>
                 </a:solidFill>
               </a14:hiddenFill>
             </a:ext>
             <a:ext uri="{91240B29-F687-4f45-9708-019B960494DF}">
-              <a14:hiddenLine xmlns="" xmlns:a14="http://schemas.microsoft.com/office/drawing/2010/main" w="9525">
+              <a14:hiddenLine xmlns:a14="http://schemas.microsoft.com/office/drawing/2010/main" xmlns="" w="9525">
                 <a:solidFill>
                   <a:srgbClr val="000000"/>
                 </a:solidFill>
@@ -2886,7 +2886,7 @@
           </a:ln>
           <a:extLst>
             <a:ext uri="{909E8E84-426E-40dd-AFC4-6F175D3DCCD1}">
-              <a14:hiddenFill xmlns="" xmlns:a14="http://schemas.microsoft.com/office/drawing/2010/main">
+              <a14:hiddenFill xmlns:a14="http://schemas.microsoft.com/office/drawing/2010/main" xmlns="">
                 <a:noFill/>
               </a14:hiddenFill>
             </a:ext>
@@ -2935,14 +2935,14 @@
           </a:ln>
           <a:extLst>
             <a:ext uri="{909E8E84-426E-40dd-AFC4-6F175D3DCCD1}">
-              <a14:hiddenFill xmlns="" xmlns:a14="http://schemas.microsoft.com/office/drawing/2010/main">
+              <a14:hiddenFill xmlns:a14="http://schemas.microsoft.com/office/drawing/2010/main" xmlns="">
                 <a:solidFill>
                   <a:srgbClr val="FFFFFF"/>
                 </a:solidFill>
               </a14:hiddenFill>
             </a:ext>
             <a:ext uri="{91240B29-F687-4f45-9708-019B960494DF}">
-              <a14:hiddenLine xmlns="" xmlns:a14="http://schemas.microsoft.com/office/drawing/2010/main" w="9525">
+              <a14:hiddenLine xmlns:a14="http://schemas.microsoft.com/office/drawing/2010/main" xmlns="" w="9525">
                 <a:solidFill>
                   <a:srgbClr val="000000"/>
                 </a:solidFill>
@@ -3589,7 +3589,7 @@
           </a:ln>
           <a:extLst>
             <a:ext uri="{909E8E84-426E-40dd-AFC4-6F175D3DCCD1}">
-              <a14:hiddenFill xmlns="" xmlns:a14="http://schemas.microsoft.com/office/drawing/2010/main">
+              <a14:hiddenFill xmlns:a14="http://schemas.microsoft.com/office/drawing/2010/main" xmlns="">
                 <a:noFill/>
               </a14:hiddenFill>
             </a:ext>
@@ -3792,7 +3792,7 @@
           </a:ln>
           <a:extLst>
             <a:ext uri="{909E8E84-426E-40dd-AFC4-6F175D3DCCD1}">
-              <a14:hiddenFill xmlns="" xmlns:a14="http://schemas.microsoft.com/office/drawing/2010/main">
+              <a14:hiddenFill xmlns:a14="http://schemas.microsoft.com/office/drawing/2010/main" xmlns="">
                 <a:noFill/>
               </a14:hiddenFill>
             </a:ext>
@@ -3833,7 +3833,7 @@
           </a:ln>
           <a:extLst>
             <a:ext uri="{909E8E84-426E-40dd-AFC4-6F175D3DCCD1}">
-              <a14:hiddenFill xmlns="" xmlns:a14="http://schemas.microsoft.com/office/drawing/2010/main">
+              <a14:hiddenFill xmlns:a14="http://schemas.microsoft.com/office/drawing/2010/main" xmlns="">
                 <a:noFill/>
               </a14:hiddenFill>
             </a:ext>
@@ -4043,7 +4043,7 @@
           </a:ln>
           <a:extLst>
             <a:ext uri="{909E8E84-426E-40dd-AFC4-6F175D3DCCD1}">
-              <a14:hiddenFill xmlns="" xmlns:a14="http://schemas.microsoft.com/office/drawing/2010/main">
+              <a14:hiddenFill xmlns:a14="http://schemas.microsoft.com/office/drawing/2010/main" xmlns="">
                 <a:noFill/>
               </a14:hiddenFill>
             </a:ext>
@@ -4092,14 +4092,14 @@
           </a:ln>
           <a:extLst>
             <a:ext uri="{909E8E84-426E-40dd-AFC4-6F175D3DCCD1}">
-              <a14:hiddenFill xmlns="" xmlns:a14="http://schemas.microsoft.com/office/drawing/2010/main">
+              <a14:hiddenFill xmlns:a14="http://schemas.microsoft.com/office/drawing/2010/main" xmlns="">
                 <a:solidFill>
                   <a:srgbClr val="FFFFFF"/>
                 </a:solidFill>
               </a14:hiddenFill>
             </a:ext>
             <a:ext uri="{91240B29-F687-4f45-9708-019B960494DF}">
-              <a14:hiddenLine xmlns="" xmlns:a14="http://schemas.microsoft.com/office/drawing/2010/main" w="9525">
+              <a14:hiddenLine xmlns:a14="http://schemas.microsoft.com/office/drawing/2010/main" xmlns="" w="9525">
                 <a:solidFill>
                   <a:srgbClr val="000000"/>
                 </a:solidFill>
@@ -4328,7 +4328,7 @@
           </a:ln>
           <a:extLst>
             <a:ext uri="{909E8E84-426E-40dd-AFC4-6F175D3DCCD1}">
-              <a14:hiddenFill xmlns="" xmlns:a14="http://schemas.microsoft.com/office/drawing/2010/main">
+              <a14:hiddenFill xmlns:a14="http://schemas.microsoft.com/office/drawing/2010/main" xmlns="">
                 <a:noFill/>
               </a14:hiddenFill>
             </a:ext>
@@ -4536,7 +4536,7 @@
           </a:ln>
           <a:extLst>
             <a:ext uri="{909E8E84-426E-40dd-AFC4-6F175D3DCCD1}">
-              <a14:hiddenFill xmlns="" xmlns:a14="http://schemas.microsoft.com/office/drawing/2010/main">
+              <a14:hiddenFill xmlns:a14="http://schemas.microsoft.com/office/drawing/2010/main" xmlns="">
                 <a:noFill/>
               </a14:hiddenFill>
             </a:ext>
@@ -4785,7 +4785,7 @@
           </a:ln>
           <a:extLst>
             <a:ext uri="{909E8E84-426E-40dd-AFC4-6F175D3DCCD1}">
-              <a14:hiddenFill xmlns="" xmlns:a14="http://schemas.microsoft.com/office/drawing/2010/main">
+              <a14:hiddenFill xmlns:a14="http://schemas.microsoft.com/office/drawing/2010/main" xmlns="">
                 <a:noFill/>
               </a14:hiddenFill>
             </a:ext>
@@ -4834,14 +4834,14 @@
           </a:ln>
           <a:extLst>
             <a:ext uri="{909E8E84-426E-40dd-AFC4-6F175D3DCCD1}">
-              <a14:hiddenFill xmlns="" xmlns:a14="http://schemas.microsoft.com/office/drawing/2010/main">
+              <a14:hiddenFill xmlns:a14="http://schemas.microsoft.com/office/drawing/2010/main" xmlns="">
                 <a:solidFill>
                   <a:srgbClr val="FFFFFF"/>
                 </a:solidFill>
               </a14:hiddenFill>
             </a:ext>
             <a:ext uri="{91240B29-F687-4f45-9708-019B960494DF}">
-              <a14:hiddenLine xmlns="" xmlns:a14="http://schemas.microsoft.com/office/drawing/2010/main" w="9525">
+              <a14:hiddenLine xmlns:a14="http://schemas.microsoft.com/office/drawing/2010/main" xmlns="" w="9525">
                 <a:solidFill>
                   <a:srgbClr val="000000"/>
                 </a:solidFill>
@@ -5102,7 +5102,7 @@
           </a:ln>
           <a:extLst>
             <a:ext uri="{909E8E84-426E-40dd-AFC4-6F175D3DCCD1}">
-              <a14:hiddenFill xmlns="" xmlns:a14="http://schemas.microsoft.com/office/drawing/2010/main">
+              <a14:hiddenFill xmlns:a14="http://schemas.microsoft.com/office/drawing/2010/main" xmlns="">
                 <a:noFill/>
               </a14:hiddenFill>
             </a:ext>
@@ -5151,14 +5151,14 @@
           </a:ln>
           <a:extLst>
             <a:ext uri="{909E8E84-426E-40dd-AFC4-6F175D3DCCD1}">
-              <a14:hiddenFill xmlns="" xmlns:a14="http://schemas.microsoft.com/office/drawing/2010/main">
+              <a14:hiddenFill xmlns:a14="http://schemas.microsoft.com/office/drawing/2010/main" xmlns="">
                 <a:solidFill>
                   <a:srgbClr val="FFFFFF"/>
                 </a:solidFill>
               </a14:hiddenFill>
             </a:ext>
             <a:ext uri="{91240B29-F687-4f45-9708-019B960494DF}">
-              <a14:hiddenLine xmlns="" xmlns:a14="http://schemas.microsoft.com/office/drawing/2010/main" w="9525">
+              <a14:hiddenLine xmlns:a14="http://schemas.microsoft.com/office/drawing/2010/main" xmlns="" w="9525">
                 <a:solidFill>
                   <a:srgbClr val="000000"/>
                 </a:solidFill>
@@ -5799,7 +5799,7 @@
           </a:ln>
           <a:extLst>
             <a:ext uri="{909E8E84-426E-40dd-AFC4-6F175D3DCCD1}">
-              <a14:hiddenFill xmlns="" xmlns:a14="http://schemas.microsoft.com/office/drawing/2010/main">
+              <a14:hiddenFill xmlns:a14="http://schemas.microsoft.com/office/drawing/2010/main" xmlns="">
                 <a:noFill/>
               </a14:hiddenFill>
             </a:ext>
@@ -5840,7 +5840,7 @@
           </a:ln>
           <a:extLst>
             <a:ext uri="{909E8E84-426E-40dd-AFC4-6F175D3DCCD1}">
-              <a14:hiddenFill xmlns="" xmlns:a14="http://schemas.microsoft.com/office/drawing/2010/main">
+              <a14:hiddenFill xmlns:a14="http://schemas.microsoft.com/office/drawing/2010/main" xmlns="">
                 <a:noFill/>
               </a14:hiddenFill>
             </a:ext>
@@ -5982,17 +5982,17 @@
           <a:effectLst/>
           <a:extLst>
             <a:ext uri="{FAA26D3D-D897-4be2-8F04-BA451C77F1D7}">
-              <ma14:placeholderFlag xmlns="" xmlns:ma14="http://schemas.microsoft.com/office/mac/drawingml/2011/main" val="1"/>
+              <ma14:placeholderFlag xmlns:ma14="http://schemas.microsoft.com/office/mac/drawingml/2011/main" xmlns="" val="1"/>
             </a:ext>
             <a:ext uri="{909E8E84-426E-40dd-AFC4-6F175D3DCCD1}">
-              <a14:hiddenFill xmlns="" xmlns:a14="http://schemas.microsoft.com/office/drawing/2010/main">
+              <a14:hiddenFill xmlns:a14="http://schemas.microsoft.com/office/drawing/2010/main" xmlns="">
                 <a:solidFill>
                   <a:srgbClr val="FFFFFF"/>
                 </a:solidFill>
               </a14:hiddenFill>
             </a:ext>
             <a:ext uri="{91240B29-F687-4f45-9708-019B960494DF}">
-              <a14:hiddenLine xmlns="" xmlns:a14="http://schemas.microsoft.com/office/drawing/2010/main" w="12700">
+              <a14:hiddenLine xmlns:a14="http://schemas.microsoft.com/office/drawing/2010/main" xmlns="" w="12700">
                 <a:solidFill>
                   <a:schemeClr val="tx1"/>
                 </a:solidFill>
@@ -6002,7 +6002,7 @@
               </a14:hiddenLine>
             </a:ext>
             <a:ext uri="{AF507438-7753-43e0-B8FC-AC1667EBCBE1}">
-              <a14:hiddenEffects xmlns="" xmlns:a14="http://schemas.microsoft.com/office/drawing/2010/main">
+              <a14:hiddenEffects xmlns:a14="http://schemas.microsoft.com/office/drawing/2010/main" xmlns="">
                 <a:effectLst>
                   <a:outerShdw blurRad="63500" dist="38099" dir="2700000" algn="ctr" rotWithShape="0">
                     <a:srgbClr val="000000">
@@ -6057,17 +6057,17 @@
           <a:effectLst/>
           <a:extLst>
             <a:ext uri="{FAA26D3D-D897-4be2-8F04-BA451C77F1D7}">
-              <ma14:placeholderFlag xmlns="" xmlns:ma14="http://schemas.microsoft.com/office/mac/drawingml/2011/main" val="1"/>
+              <ma14:placeholderFlag xmlns:ma14="http://schemas.microsoft.com/office/mac/drawingml/2011/main" xmlns="" val="1"/>
             </a:ext>
             <a:ext uri="{909E8E84-426E-40dd-AFC4-6F175D3DCCD1}">
-              <a14:hiddenFill xmlns="" xmlns:a14="http://schemas.microsoft.com/office/drawing/2010/main">
+              <a14:hiddenFill xmlns:a14="http://schemas.microsoft.com/office/drawing/2010/main" xmlns="">
                 <a:solidFill>
                   <a:srgbClr val="FFFFFF"/>
                 </a:solidFill>
               </a14:hiddenFill>
             </a:ext>
             <a:ext uri="{91240B29-F687-4f45-9708-019B960494DF}">
-              <a14:hiddenLine xmlns="" xmlns:a14="http://schemas.microsoft.com/office/drawing/2010/main" w="12700">
+              <a14:hiddenLine xmlns:a14="http://schemas.microsoft.com/office/drawing/2010/main" xmlns="" w="12700">
                 <a:solidFill>
                   <a:schemeClr val="tx1"/>
                 </a:solidFill>
@@ -6077,7 +6077,7 @@
               </a14:hiddenLine>
             </a:ext>
             <a:ext uri="{AF507438-7753-43e0-B8FC-AC1667EBCBE1}">
-              <a14:hiddenEffects xmlns="" xmlns:a14="http://schemas.microsoft.com/office/drawing/2010/main">
+              <a14:hiddenEffects xmlns:a14="http://schemas.microsoft.com/office/drawing/2010/main" xmlns="">
                 <a:effectLst>
                   <a:outerShdw blurRad="63500" dist="38099" dir="2700000" algn="ctr" rotWithShape="0">
                     <a:srgbClr val="000000">
@@ -6168,14 +6168,14 @@
           <a:effectLst/>
           <a:extLst>
             <a:ext uri="{909E8E84-426E-40dd-AFC4-6F175D3DCCD1}">
-              <a14:hiddenFill xmlns="" xmlns:a14="http://schemas.microsoft.com/office/drawing/2010/main">
+              <a14:hiddenFill xmlns:a14="http://schemas.microsoft.com/office/drawing/2010/main" xmlns="">
                 <a:solidFill>
                   <a:srgbClr val="FFFFFF"/>
                 </a:solidFill>
               </a14:hiddenFill>
             </a:ext>
             <a:ext uri="{91240B29-F687-4f45-9708-019B960494DF}">
-              <a14:hiddenLine xmlns="" xmlns:a14="http://schemas.microsoft.com/office/drawing/2010/main" w="12700">
+              <a14:hiddenLine xmlns:a14="http://schemas.microsoft.com/office/drawing/2010/main" xmlns="" w="12700">
                 <a:solidFill>
                   <a:schemeClr val="tx1"/>
                 </a:solidFill>
@@ -6185,7 +6185,7 @@
               </a14:hiddenLine>
             </a:ext>
             <a:ext uri="{AF507438-7753-43e0-B8FC-AC1667EBCBE1}">
-              <a14:hiddenEffects xmlns="" xmlns:a14="http://schemas.microsoft.com/office/drawing/2010/main">
+              <a14:hiddenEffects xmlns:a14="http://schemas.microsoft.com/office/drawing/2010/main" xmlns="">
                 <a:effectLst>
                   <a:outerShdw blurRad="63500" dist="38099" dir="2700000" algn="ctr" rotWithShape="0">
                     <a:srgbClr val="000000">
@@ -6880,17 +6880,17 @@
           <a:effectLst/>
           <a:extLst>
             <a:ext uri="{FAA26D3D-D897-4be2-8F04-BA451C77F1D7}">
-              <ma14:placeholderFlag xmlns="" xmlns:ma14="http://schemas.microsoft.com/office/mac/drawingml/2011/main" val="1"/>
+              <ma14:placeholderFlag xmlns:ma14="http://schemas.microsoft.com/office/mac/drawingml/2011/main" xmlns="" val="1"/>
             </a:ext>
             <a:ext uri="{909E8E84-426E-40dd-AFC4-6F175D3DCCD1}">
-              <a14:hiddenFill xmlns="" xmlns:a14="http://schemas.microsoft.com/office/drawing/2010/main">
+              <a14:hiddenFill xmlns:a14="http://schemas.microsoft.com/office/drawing/2010/main" xmlns="">
                 <a:solidFill>
                   <a:srgbClr val="FFFFFF"/>
                 </a:solidFill>
               </a14:hiddenFill>
             </a:ext>
             <a:ext uri="{91240B29-F687-4f45-9708-019B960494DF}">
-              <a14:hiddenLine xmlns="" xmlns:a14="http://schemas.microsoft.com/office/drawing/2010/main" w="12700">
+              <a14:hiddenLine xmlns:a14="http://schemas.microsoft.com/office/drawing/2010/main" xmlns="" w="12700">
                 <a:solidFill>
                   <a:schemeClr val="tx1"/>
                 </a:solidFill>
@@ -6900,7 +6900,7 @@
               </a14:hiddenLine>
             </a:ext>
             <a:ext uri="{AF507438-7753-43e0-B8FC-AC1667EBCBE1}">
-              <a14:hiddenEffects xmlns="" xmlns:a14="http://schemas.microsoft.com/office/drawing/2010/main">
+              <a14:hiddenEffects xmlns:a14="http://schemas.microsoft.com/office/drawing/2010/main" xmlns="">
                 <a:effectLst>
                   <a:outerShdw blurRad="63500" dist="38099" dir="2700000" algn="ctr" rotWithShape="0">
                     <a:srgbClr val="000000">
@@ -6955,17 +6955,17 @@
           <a:effectLst/>
           <a:extLst>
             <a:ext uri="{FAA26D3D-D897-4be2-8F04-BA451C77F1D7}">
-              <ma14:placeholderFlag xmlns="" xmlns:ma14="http://schemas.microsoft.com/office/mac/drawingml/2011/main" val="1"/>
+              <ma14:placeholderFlag xmlns:ma14="http://schemas.microsoft.com/office/mac/drawingml/2011/main" xmlns="" val="1"/>
             </a:ext>
             <a:ext uri="{909E8E84-426E-40dd-AFC4-6F175D3DCCD1}">
-              <a14:hiddenFill xmlns="" xmlns:a14="http://schemas.microsoft.com/office/drawing/2010/main">
+              <a14:hiddenFill xmlns:a14="http://schemas.microsoft.com/office/drawing/2010/main" xmlns="">
                 <a:solidFill>
                   <a:srgbClr val="FFFFFF"/>
                 </a:solidFill>
               </a14:hiddenFill>
             </a:ext>
             <a:ext uri="{91240B29-F687-4f45-9708-019B960494DF}">
-              <a14:hiddenLine xmlns="" xmlns:a14="http://schemas.microsoft.com/office/drawing/2010/main" w="12700">
+              <a14:hiddenLine xmlns:a14="http://schemas.microsoft.com/office/drawing/2010/main" xmlns="" w="12700">
                 <a:solidFill>
                   <a:schemeClr val="tx1"/>
                 </a:solidFill>
@@ -6975,7 +6975,7 @@
               </a14:hiddenLine>
             </a:ext>
             <a:ext uri="{AF507438-7753-43e0-B8FC-AC1667EBCBE1}">
-              <a14:hiddenEffects xmlns="" xmlns:a14="http://schemas.microsoft.com/office/drawing/2010/main">
+              <a14:hiddenEffects xmlns:a14="http://schemas.microsoft.com/office/drawing/2010/main" xmlns="">
                 <a:effectLst>
                   <a:outerShdw blurRad="63500" dist="38099" dir="2700000" algn="ctr" rotWithShape="0">
                     <a:srgbClr val="000000">
@@ -7066,14 +7066,14 @@
           <a:effectLst/>
           <a:extLst>
             <a:ext uri="{909E8E84-426E-40dd-AFC4-6F175D3DCCD1}">
-              <a14:hiddenFill xmlns="" xmlns:a14="http://schemas.microsoft.com/office/drawing/2010/main">
+              <a14:hiddenFill xmlns:a14="http://schemas.microsoft.com/office/drawing/2010/main" xmlns="">
                 <a:solidFill>
                   <a:srgbClr val="FFFFFF"/>
                 </a:solidFill>
               </a14:hiddenFill>
             </a:ext>
             <a:ext uri="{91240B29-F687-4f45-9708-019B960494DF}">
-              <a14:hiddenLine xmlns="" xmlns:a14="http://schemas.microsoft.com/office/drawing/2010/main" w="12700">
+              <a14:hiddenLine xmlns:a14="http://schemas.microsoft.com/office/drawing/2010/main" xmlns="" w="12700">
                 <a:solidFill>
                   <a:schemeClr val="tx1"/>
                 </a:solidFill>
@@ -7083,7 +7083,7 @@
               </a14:hiddenLine>
             </a:ext>
             <a:ext uri="{AF507438-7753-43e0-B8FC-AC1667EBCBE1}">
-              <a14:hiddenEffects xmlns="" xmlns:a14="http://schemas.microsoft.com/office/drawing/2010/main">
+              <a14:hiddenEffects xmlns:a14="http://schemas.microsoft.com/office/drawing/2010/main" xmlns="">
                 <a:effectLst>
                   <a:outerShdw blurRad="63500" dist="38099" dir="2700000" algn="ctr" rotWithShape="0">
                     <a:srgbClr val="000000">
@@ -10513,17 +10513,17 @@
           <a:effectLst/>
           <a:extLst>
             <a:ext uri="{FAA26D3D-D897-4be2-8F04-BA451C77F1D7}">
-              <ma14:placeholderFlag xmlns="" xmlns:ma14="http://schemas.microsoft.com/office/mac/drawingml/2011/main" val="1"/>
+              <ma14:placeholderFlag xmlns:ma14="http://schemas.microsoft.com/office/mac/drawingml/2011/main" xmlns="" val="1"/>
             </a:ext>
             <a:ext uri="{909E8E84-426E-40dd-AFC4-6F175D3DCCD1}">
-              <a14:hiddenFill xmlns="" xmlns:a14="http://schemas.microsoft.com/office/drawing/2010/main">
+              <a14:hiddenFill xmlns:a14="http://schemas.microsoft.com/office/drawing/2010/main" xmlns="">
                 <a:solidFill>
                   <a:srgbClr val="FFFFFF"/>
                 </a:solidFill>
               </a14:hiddenFill>
             </a:ext>
             <a:ext uri="{91240B29-F687-4f45-9708-019B960494DF}">
-              <a14:hiddenLine xmlns="" xmlns:a14="http://schemas.microsoft.com/office/drawing/2010/main" w="12700">
+              <a14:hiddenLine xmlns:a14="http://schemas.microsoft.com/office/drawing/2010/main" xmlns="" w="12700">
                 <a:solidFill>
                   <a:schemeClr val="tx1"/>
                 </a:solidFill>
@@ -10533,7 +10533,7 @@
               </a14:hiddenLine>
             </a:ext>
             <a:ext uri="{AF507438-7753-43e0-B8FC-AC1667EBCBE1}">
-              <a14:hiddenEffects xmlns="" xmlns:a14="http://schemas.microsoft.com/office/drawing/2010/main">
+              <a14:hiddenEffects xmlns:a14="http://schemas.microsoft.com/office/drawing/2010/main" xmlns="">
                 <a:effectLst>
                   <a:outerShdw blurRad="63500" dist="38099" dir="2700000" algn="ctr" rotWithShape="0">
                     <a:srgbClr val="000000">
@@ -12415,6 +12415,33 @@
                 <a:latin typeface="微软雅黑" panose="020B0503020204020204" pitchFamily="34" charset="-122"/>
                 <a:ea typeface="微软雅黑" panose="020B0503020204020204" pitchFamily="34" charset="-122"/>
               </a:rPr>
+              <a:t>进入</a:t>
+            </a:r>
+            <a:r>
+              <a:rPr lang="en-US" altLang="zh-CN" dirty="0">
+                <a:latin typeface="微软雅黑" panose="020B0503020204020204" pitchFamily="34" charset="-122"/>
+                <a:ea typeface="微软雅黑" panose="020B0503020204020204" pitchFamily="34" charset="-122"/>
+              </a:rPr>
+              <a:t>gdb-01-basic</a:t>
+            </a:r>
+            <a:r>
+              <a:rPr lang="zh-CN" altLang="en-US">
+                <a:latin typeface="微软雅黑" panose="020B0503020204020204" pitchFamily="34" charset="-122"/>
+                <a:ea typeface="微软雅黑" panose="020B0503020204020204" pitchFamily="34" charset="-122"/>
+              </a:rPr>
+              <a:t>目录</a:t>
+            </a:r>
+            <a:endParaRPr lang="en-US" altLang="zh-CN">
+              <a:latin typeface="微软雅黑" panose="020B0503020204020204" pitchFamily="34" charset="-122"/>
+              <a:ea typeface="微软雅黑" panose="020B0503020204020204" pitchFamily="34" charset="-122"/>
+            </a:endParaRPr>
+          </a:p>
+          <a:p>
+            <a:r>
+              <a:rPr lang="zh-CN" altLang="en-US" dirty="0">
+                <a:latin typeface="微软雅黑" panose="020B0503020204020204" pitchFamily="34" charset="-122"/>
+                <a:ea typeface="微软雅黑" panose="020B0503020204020204" pitchFamily="34" charset="-122"/>
+              </a:rPr>
               <a:t>打开日志开关，将调试过程记录到日志中</a:t>
             </a:r>
             <a:endParaRPr lang="en-US" altLang="zh-CN" dirty="0">
@@ -13599,7 +13626,7 @@
           <a:graphicData uri="http://schemas.openxmlformats.org/presentationml/2006/ole">
             <mc:AlternateContent xmlns:mc="http://schemas.openxmlformats.org/markup-compatibility/2006">
               <mc:Choice xmlns:v="urn:schemas-microsoft-com:vml" Requires="v">
-                <p:oleObj spid="_x0000_s1027" name="Acrobat Document" showAsIcon="1" r:id="rId5" imgW="914400" imgH="828720" progId="AcroExch.Document.11">
+                <p:oleObj spid="_x0000_s1028" name="Acrobat Document" showAsIcon="1" r:id="rId5" imgW="914400" imgH="828720" progId="AcroExch.Document.11">
                   <p:embed/>
                 </p:oleObj>
               </mc:Choice>
@@ -15208,7 +15235,7 @@
         <a:effectLst/>
         <a:extLst>
           <a:ext uri="{91240B29-F687-4f45-9708-019B960494DF}">
-            <a14:hiddenLine xmlns="" xmlns:a14="http://schemas.microsoft.com/office/drawing/2010/main" w="25400" cap="flat" cmpd="sng" algn="ctr">
+            <a14:hiddenLine xmlns:a14="http://schemas.microsoft.com/office/drawing/2010/main" xmlns="" w="25400" cap="flat" cmpd="sng" algn="ctr">
               <a:solidFill>
                 <a:srgbClr val="000000"/>
               </a:solidFill>
@@ -15219,7 +15246,7 @@
             </a14:hiddenLine>
           </a:ext>
           <a:ext uri="{AF507438-7753-43e0-B8FC-AC1667EBCBE1}">
-            <a14:hiddenEffects xmlns="" xmlns:a14="http://schemas.microsoft.com/office/drawing/2010/main">
+            <a14:hiddenEffects xmlns:a14="http://schemas.microsoft.com/office/drawing/2010/main" xmlns="">
               <a:effectLst>
                 <a:outerShdw blurRad="63500" dist="38099" dir="2700000" algn="ctr" rotWithShape="0">
                   <a:schemeClr val="bg2">
@@ -15595,7 +15622,7 @@
         <a:effectLst/>
         <a:extLst>
           <a:ext uri="{91240B29-F687-4f45-9708-019B960494DF}">
-            <a14:hiddenLine xmlns="" xmlns:a14="http://schemas.microsoft.com/office/drawing/2010/main" w="25400" cap="flat" cmpd="sng" algn="ctr">
+            <a14:hiddenLine xmlns:a14="http://schemas.microsoft.com/office/drawing/2010/main" xmlns="" w="25400" cap="flat" cmpd="sng" algn="ctr">
               <a:solidFill>
                 <a:srgbClr val="000000"/>
               </a:solidFill>
@@ -15606,7 +15633,7 @@
             </a14:hiddenLine>
           </a:ext>
           <a:ext uri="{AF507438-7753-43e0-B8FC-AC1667EBCBE1}">
-            <a14:hiddenEffects xmlns="" xmlns:a14="http://schemas.microsoft.com/office/drawing/2010/main">
+            <a14:hiddenEffects xmlns:a14="http://schemas.microsoft.com/office/drawing/2010/main" xmlns="">
               <a:effectLst>
                 <a:outerShdw blurRad="63500" dist="38099" dir="2700000" algn="ctr" rotWithShape="0">
                   <a:schemeClr val="bg2">

--- a/Debug/session1/Debugging Workshop 1.pptx
+++ b/Debug/session1/Debugging Workshop 1.pptx
@@ -788,7 +788,7 @@
           </a:ln>
           <a:extLst>
             <a:ext uri="{909E8E84-426E-40dd-AFC4-6F175D3DCCD1}">
-              <a14:hiddenFill xmlns:a14="http://schemas.microsoft.com/office/drawing/2010/main" xmlns="">
+              <a14:hiddenFill xmlns="" xmlns:a14="http://schemas.microsoft.com/office/drawing/2010/main">
                 <a:noFill/>
               </a14:hiddenFill>
             </a:ext>
@@ -832,7 +832,7 @@
           </a:ln>
           <a:extLst>
             <a:ext uri="{909E8E84-426E-40dd-AFC4-6F175D3DCCD1}">
-              <a14:hiddenFill xmlns:a14="http://schemas.microsoft.com/office/drawing/2010/main" xmlns="">
+              <a14:hiddenFill xmlns="" xmlns:a14="http://schemas.microsoft.com/office/drawing/2010/main">
                 <a:noFill/>
               </a14:hiddenFill>
             </a:ext>
@@ -881,14 +881,14 @@
           </a:ln>
           <a:extLst>
             <a:ext uri="{909E8E84-426E-40dd-AFC4-6F175D3DCCD1}">
-              <a14:hiddenFill xmlns:a14="http://schemas.microsoft.com/office/drawing/2010/main" xmlns="">
+              <a14:hiddenFill xmlns="" xmlns:a14="http://schemas.microsoft.com/office/drawing/2010/main">
                 <a:solidFill>
                   <a:srgbClr val="FFFFFF"/>
                 </a:solidFill>
               </a14:hiddenFill>
             </a:ext>
             <a:ext uri="{91240B29-F687-4f45-9708-019B960494DF}">
-              <a14:hiddenLine xmlns:a14="http://schemas.microsoft.com/office/drawing/2010/main" xmlns="" w="9525">
+              <a14:hiddenLine xmlns="" xmlns:a14="http://schemas.microsoft.com/office/drawing/2010/main" w="9525">
                 <a:solidFill>
                   <a:srgbClr val="000000"/>
                 </a:solidFill>
@@ -1234,7 +1234,7 @@
           </a:ln>
           <a:extLst>
             <a:ext uri="{909E8E84-426E-40dd-AFC4-6F175D3DCCD1}">
-              <a14:hiddenFill xmlns:a14="http://schemas.microsoft.com/office/drawing/2010/main" xmlns="">
+              <a14:hiddenFill xmlns="" xmlns:a14="http://schemas.microsoft.com/office/drawing/2010/main">
                 <a:noFill/>
               </a14:hiddenFill>
             </a:ext>
@@ -1283,14 +1283,14 @@
           </a:ln>
           <a:extLst>
             <a:ext uri="{909E8E84-426E-40dd-AFC4-6F175D3DCCD1}">
-              <a14:hiddenFill xmlns:a14="http://schemas.microsoft.com/office/drawing/2010/main" xmlns="">
+              <a14:hiddenFill xmlns="" xmlns:a14="http://schemas.microsoft.com/office/drawing/2010/main">
                 <a:solidFill>
                   <a:srgbClr val="FFFFFF"/>
                 </a:solidFill>
               </a14:hiddenFill>
             </a:ext>
             <a:ext uri="{91240B29-F687-4f45-9708-019B960494DF}">
-              <a14:hiddenLine xmlns:a14="http://schemas.microsoft.com/office/drawing/2010/main" xmlns="" w="9525">
+              <a14:hiddenLine xmlns="" xmlns:a14="http://schemas.microsoft.com/office/drawing/2010/main" w="9525">
                 <a:solidFill>
                   <a:srgbClr val="000000"/>
                 </a:solidFill>
@@ -1519,7 +1519,7 @@
           </a:ln>
           <a:extLst>
             <a:ext uri="{909E8E84-426E-40dd-AFC4-6F175D3DCCD1}">
-              <a14:hiddenFill xmlns:a14="http://schemas.microsoft.com/office/drawing/2010/main" xmlns="">
+              <a14:hiddenFill xmlns="" xmlns:a14="http://schemas.microsoft.com/office/drawing/2010/main">
                 <a:noFill/>
               </a14:hiddenFill>
             </a:ext>
@@ -1563,7 +1563,7 @@
           </a:ln>
           <a:extLst>
             <a:ext uri="{909E8E84-426E-40dd-AFC4-6F175D3DCCD1}">
-              <a14:hiddenFill xmlns:a14="http://schemas.microsoft.com/office/drawing/2010/main" xmlns="">
+              <a14:hiddenFill xmlns="" xmlns:a14="http://schemas.microsoft.com/office/drawing/2010/main">
                 <a:noFill/>
               </a14:hiddenFill>
             </a:ext>
@@ -1612,14 +1612,14 @@
           </a:ln>
           <a:extLst>
             <a:ext uri="{909E8E84-426E-40dd-AFC4-6F175D3DCCD1}">
-              <a14:hiddenFill xmlns:a14="http://schemas.microsoft.com/office/drawing/2010/main" xmlns="">
+              <a14:hiddenFill xmlns="" xmlns:a14="http://schemas.microsoft.com/office/drawing/2010/main">
                 <a:solidFill>
                   <a:srgbClr val="FFFFFF"/>
                 </a:solidFill>
               </a14:hiddenFill>
             </a:ext>
             <a:ext uri="{91240B29-F687-4f45-9708-019B960494DF}">
-              <a14:hiddenLine xmlns:a14="http://schemas.microsoft.com/office/drawing/2010/main" xmlns="" w="9525">
+              <a14:hiddenLine xmlns="" xmlns:a14="http://schemas.microsoft.com/office/drawing/2010/main" w="9525">
                 <a:solidFill>
                   <a:srgbClr val="000000"/>
                 </a:solidFill>
@@ -1891,7 +1891,7 @@
           </a:ln>
           <a:extLst>
             <a:ext uri="{909E8E84-426E-40dd-AFC4-6F175D3DCCD1}">
-              <a14:hiddenFill xmlns:a14="http://schemas.microsoft.com/office/drawing/2010/main" xmlns="">
+              <a14:hiddenFill xmlns="" xmlns:a14="http://schemas.microsoft.com/office/drawing/2010/main">
                 <a:noFill/>
               </a14:hiddenFill>
             </a:ext>
@@ -2103,7 +2103,7 @@
           </a:ln>
           <a:extLst>
             <a:ext uri="{909E8E84-426E-40dd-AFC4-6F175D3DCCD1}">
-              <a14:hiddenFill xmlns:a14="http://schemas.microsoft.com/office/drawing/2010/main" xmlns="">
+              <a14:hiddenFill xmlns="" xmlns:a14="http://schemas.microsoft.com/office/drawing/2010/main">
                 <a:noFill/>
               </a14:hiddenFill>
             </a:ext>
@@ -2320,7 +2320,7 @@
           </a:ln>
           <a:extLst>
             <a:ext uri="{909E8E84-426E-40dd-AFC4-6F175D3DCCD1}">
-              <a14:hiddenFill xmlns:a14="http://schemas.microsoft.com/office/drawing/2010/main" xmlns="">
+              <a14:hiddenFill xmlns="" xmlns:a14="http://schemas.microsoft.com/office/drawing/2010/main">
                 <a:noFill/>
               </a14:hiddenFill>
             </a:ext>
@@ -2569,7 +2569,7 @@
           </a:ln>
           <a:extLst>
             <a:ext uri="{909E8E84-426E-40dd-AFC4-6F175D3DCCD1}">
-              <a14:hiddenFill xmlns:a14="http://schemas.microsoft.com/office/drawing/2010/main" xmlns="">
+              <a14:hiddenFill xmlns="" xmlns:a14="http://schemas.microsoft.com/office/drawing/2010/main">
                 <a:noFill/>
               </a14:hiddenFill>
             </a:ext>
@@ -2618,14 +2618,14 @@
           </a:ln>
           <a:extLst>
             <a:ext uri="{909E8E84-426E-40dd-AFC4-6F175D3DCCD1}">
-              <a14:hiddenFill xmlns:a14="http://schemas.microsoft.com/office/drawing/2010/main" xmlns="">
+              <a14:hiddenFill xmlns="" xmlns:a14="http://schemas.microsoft.com/office/drawing/2010/main">
                 <a:solidFill>
                   <a:srgbClr val="FFFFFF"/>
                 </a:solidFill>
               </a14:hiddenFill>
             </a:ext>
             <a:ext uri="{91240B29-F687-4f45-9708-019B960494DF}">
-              <a14:hiddenLine xmlns:a14="http://schemas.microsoft.com/office/drawing/2010/main" xmlns="" w="9525">
+              <a14:hiddenLine xmlns="" xmlns:a14="http://schemas.microsoft.com/office/drawing/2010/main" w="9525">
                 <a:solidFill>
                   <a:srgbClr val="000000"/>
                 </a:solidFill>
@@ -2886,7 +2886,7 @@
           </a:ln>
           <a:extLst>
             <a:ext uri="{909E8E84-426E-40dd-AFC4-6F175D3DCCD1}">
-              <a14:hiddenFill xmlns:a14="http://schemas.microsoft.com/office/drawing/2010/main" xmlns="">
+              <a14:hiddenFill xmlns="" xmlns:a14="http://schemas.microsoft.com/office/drawing/2010/main">
                 <a:noFill/>
               </a14:hiddenFill>
             </a:ext>
@@ -2935,14 +2935,14 @@
           </a:ln>
           <a:extLst>
             <a:ext uri="{909E8E84-426E-40dd-AFC4-6F175D3DCCD1}">
-              <a14:hiddenFill xmlns:a14="http://schemas.microsoft.com/office/drawing/2010/main" xmlns="">
+              <a14:hiddenFill xmlns="" xmlns:a14="http://schemas.microsoft.com/office/drawing/2010/main">
                 <a:solidFill>
                   <a:srgbClr val="FFFFFF"/>
                 </a:solidFill>
               </a14:hiddenFill>
             </a:ext>
             <a:ext uri="{91240B29-F687-4f45-9708-019B960494DF}">
-              <a14:hiddenLine xmlns:a14="http://schemas.microsoft.com/office/drawing/2010/main" xmlns="" w="9525">
+              <a14:hiddenLine xmlns="" xmlns:a14="http://schemas.microsoft.com/office/drawing/2010/main" w="9525">
                 <a:solidFill>
                   <a:srgbClr val="000000"/>
                 </a:solidFill>
@@ -3589,7 +3589,7 @@
           </a:ln>
           <a:extLst>
             <a:ext uri="{909E8E84-426E-40dd-AFC4-6F175D3DCCD1}">
-              <a14:hiddenFill xmlns:a14="http://schemas.microsoft.com/office/drawing/2010/main" xmlns="">
+              <a14:hiddenFill xmlns="" xmlns:a14="http://schemas.microsoft.com/office/drawing/2010/main">
                 <a:noFill/>
               </a14:hiddenFill>
             </a:ext>
@@ -3792,7 +3792,7 @@
           </a:ln>
           <a:extLst>
             <a:ext uri="{909E8E84-426E-40dd-AFC4-6F175D3DCCD1}">
-              <a14:hiddenFill xmlns:a14="http://schemas.microsoft.com/office/drawing/2010/main" xmlns="">
+              <a14:hiddenFill xmlns="" xmlns:a14="http://schemas.microsoft.com/office/drawing/2010/main">
                 <a:noFill/>
               </a14:hiddenFill>
             </a:ext>
@@ -3833,7 +3833,7 @@
           </a:ln>
           <a:extLst>
             <a:ext uri="{909E8E84-426E-40dd-AFC4-6F175D3DCCD1}">
-              <a14:hiddenFill xmlns:a14="http://schemas.microsoft.com/office/drawing/2010/main" xmlns="">
+              <a14:hiddenFill xmlns="" xmlns:a14="http://schemas.microsoft.com/office/drawing/2010/main">
                 <a:noFill/>
               </a14:hiddenFill>
             </a:ext>
@@ -4043,7 +4043,7 @@
           </a:ln>
           <a:extLst>
             <a:ext uri="{909E8E84-426E-40dd-AFC4-6F175D3DCCD1}">
-              <a14:hiddenFill xmlns:a14="http://schemas.microsoft.com/office/drawing/2010/main" xmlns="">
+              <a14:hiddenFill xmlns="" xmlns:a14="http://schemas.microsoft.com/office/drawing/2010/main">
                 <a:noFill/>
               </a14:hiddenFill>
             </a:ext>
@@ -4092,14 +4092,14 @@
           </a:ln>
           <a:extLst>
             <a:ext uri="{909E8E84-426E-40dd-AFC4-6F175D3DCCD1}">
-              <a14:hiddenFill xmlns:a14="http://schemas.microsoft.com/office/drawing/2010/main" xmlns="">
+              <a14:hiddenFill xmlns="" xmlns:a14="http://schemas.microsoft.com/office/drawing/2010/main">
                 <a:solidFill>
                   <a:srgbClr val="FFFFFF"/>
                 </a:solidFill>
               </a14:hiddenFill>
             </a:ext>
             <a:ext uri="{91240B29-F687-4f45-9708-019B960494DF}">
-              <a14:hiddenLine xmlns:a14="http://schemas.microsoft.com/office/drawing/2010/main" xmlns="" w="9525">
+              <a14:hiddenLine xmlns="" xmlns:a14="http://schemas.microsoft.com/office/drawing/2010/main" w="9525">
                 <a:solidFill>
                   <a:srgbClr val="000000"/>
                 </a:solidFill>
@@ -4328,7 +4328,7 @@
           </a:ln>
           <a:extLst>
             <a:ext uri="{909E8E84-426E-40dd-AFC4-6F175D3DCCD1}">
-              <a14:hiddenFill xmlns:a14="http://schemas.microsoft.com/office/drawing/2010/main" xmlns="">
+              <a14:hiddenFill xmlns="" xmlns:a14="http://schemas.microsoft.com/office/drawing/2010/main">
                 <a:noFill/>
               </a14:hiddenFill>
             </a:ext>
@@ -4536,7 +4536,7 @@
           </a:ln>
           <a:extLst>
             <a:ext uri="{909E8E84-426E-40dd-AFC4-6F175D3DCCD1}">
-              <a14:hiddenFill xmlns:a14="http://schemas.microsoft.com/office/drawing/2010/main" xmlns="">
+              <a14:hiddenFill xmlns="" xmlns:a14="http://schemas.microsoft.com/office/drawing/2010/main">
                 <a:noFill/>
               </a14:hiddenFill>
             </a:ext>
@@ -4785,7 +4785,7 @@
           </a:ln>
           <a:extLst>
             <a:ext uri="{909E8E84-426E-40dd-AFC4-6F175D3DCCD1}">
-              <a14:hiddenFill xmlns:a14="http://schemas.microsoft.com/office/drawing/2010/main" xmlns="">
+              <a14:hiddenFill xmlns="" xmlns:a14="http://schemas.microsoft.com/office/drawing/2010/main">
                 <a:noFill/>
               </a14:hiddenFill>
             </a:ext>
@@ -4834,14 +4834,14 @@
           </a:ln>
           <a:extLst>
             <a:ext uri="{909E8E84-426E-40dd-AFC4-6F175D3DCCD1}">
-              <a14:hiddenFill xmlns:a14="http://schemas.microsoft.com/office/drawing/2010/main" xmlns="">
+              <a14:hiddenFill xmlns="" xmlns:a14="http://schemas.microsoft.com/office/drawing/2010/main">
                 <a:solidFill>
                   <a:srgbClr val="FFFFFF"/>
                 </a:solidFill>
               </a14:hiddenFill>
             </a:ext>
             <a:ext uri="{91240B29-F687-4f45-9708-019B960494DF}">
-              <a14:hiddenLine xmlns:a14="http://schemas.microsoft.com/office/drawing/2010/main" xmlns="" w="9525">
+              <a14:hiddenLine xmlns="" xmlns:a14="http://schemas.microsoft.com/office/drawing/2010/main" w="9525">
                 <a:solidFill>
                   <a:srgbClr val="000000"/>
                 </a:solidFill>
@@ -5102,7 +5102,7 @@
           </a:ln>
           <a:extLst>
             <a:ext uri="{909E8E84-426E-40dd-AFC4-6F175D3DCCD1}">
-              <a14:hiddenFill xmlns:a14="http://schemas.microsoft.com/office/drawing/2010/main" xmlns="">
+              <a14:hiddenFill xmlns="" xmlns:a14="http://schemas.microsoft.com/office/drawing/2010/main">
                 <a:noFill/>
               </a14:hiddenFill>
             </a:ext>
@@ -5151,14 +5151,14 @@
           </a:ln>
           <a:extLst>
             <a:ext uri="{909E8E84-426E-40dd-AFC4-6F175D3DCCD1}">
-              <a14:hiddenFill xmlns:a14="http://schemas.microsoft.com/office/drawing/2010/main" xmlns="">
+              <a14:hiddenFill xmlns="" xmlns:a14="http://schemas.microsoft.com/office/drawing/2010/main">
                 <a:solidFill>
                   <a:srgbClr val="FFFFFF"/>
                 </a:solidFill>
               </a14:hiddenFill>
             </a:ext>
             <a:ext uri="{91240B29-F687-4f45-9708-019B960494DF}">
-              <a14:hiddenLine xmlns:a14="http://schemas.microsoft.com/office/drawing/2010/main" xmlns="" w="9525">
+              <a14:hiddenLine xmlns="" xmlns:a14="http://schemas.microsoft.com/office/drawing/2010/main" w="9525">
                 <a:solidFill>
                   <a:srgbClr val="000000"/>
                 </a:solidFill>
@@ -5799,7 +5799,7 @@
           </a:ln>
           <a:extLst>
             <a:ext uri="{909E8E84-426E-40dd-AFC4-6F175D3DCCD1}">
-              <a14:hiddenFill xmlns:a14="http://schemas.microsoft.com/office/drawing/2010/main" xmlns="">
+              <a14:hiddenFill xmlns="" xmlns:a14="http://schemas.microsoft.com/office/drawing/2010/main">
                 <a:noFill/>
               </a14:hiddenFill>
             </a:ext>
@@ -5840,7 +5840,7 @@
           </a:ln>
           <a:extLst>
             <a:ext uri="{909E8E84-426E-40dd-AFC4-6F175D3DCCD1}">
-              <a14:hiddenFill xmlns:a14="http://schemas.microsoft.com/office/drawing/2010/main" xmlns="">
+              <a14:hiddenFill xmlns="" xmlns:a14="http://schemas.microsoft.com/office/drawing/2010/main">
                 <a:noFill/>
               </a14:hiddenFill>
             </a:ext>
@@ -5982,17 +5982,17 @@
           <a:effectLst/>
           <a:extLst>
             <a:ext uri="{FAA26D3D-D897-4be2-8F04-BA451C77F1D7}">
-              <ma14:placeholderFlag xmlns:ma14="http://schemas.microsoft.com/office/mac/drawingml/2011/main" xmlns="" val="1"/>
+              <ma14:placeholderFlag xmlns="" xmlns:ma14="http://schemas.microsoft.com/office/mac/drawingml/2011/main" val="1"/>
             </a:ext>
             <a:ext uri="{909E8E84-426E-40dd-AFC4-6F175D3DCCD1}">
-              <a14:hiddenFill xmlns:a14="http://schemas.microsoft.com/office/drawing/2010/main" xmlns="">
+              <a14:hiddenFill xmlns="" xmlns:a14="http://schemas.microsoft.com/office/drawing/2010/main">
                 <a:solidFill>
                   <a:srgbClr val="FFFFFF"/>
                 </a:solidFill>
               </a14:hiddenFill>
             </a:ext>
             <a:ext uri="{91240B29-F687-4f45-9708-019B960494DF}">
-              <a14:hiddenLine xmlns:a14="http://schemas.microsoft.com/office/drawing/2010/main" xmlns="" w="12700">
+              <a14:hiddenLine xmlns="" xmlns:a14="http://schemas.microsoft.com/office/drawing/2010/main" w="12700">
                 <a:solidFill>
                   <a:schemeClr val="tx1"/>
                 </a:solidFill>
@@ -6002,7 +6002,7 @@
               </a14:hiddenLine>
             </a:ext>
             <a:ext uri="{AF507438-7753-43e0-B8FC-AC1667EBCBE1}">
-              <a14:hiddenEffects xmlns:a14="http://schemas.microsoft.com/office/drawing/2010/main" xmlns="">
+              <a14:hiddenEffects xmlns="" xmlns:a14="http://schemas.microsoft.com/office/drawing/2010/main">
                 <a:effectLst>
                   <a:outerShdw blurRad="63500" dist="38099" dir="2700000" algn="ctr" rotWithShape="0">
                     <a:srgbClr val="000000">
@@ -6057,17 +6057,17 @@
           <a:effectLst/>
           <a:extLst>
             <a:ext uri="{FAA26D3D-D897-4be2-8F04-BA451C77F1D7}">
-              <ma14:placeholderFlag xmlns:ma14="http://schemas.microsoft.com/office/mac/drawingml/2011/main" xmlns="" val="1"/>
+              <ma14:placeholderFlag xmlns="" xmlns:ma14="http://schemas.microsoft.com/office/mac/drawingml/2011/main" val="1"/>
             </a:ext>
             <a:ext uri="{909E8E84-426E-40dd-AFC4-6F175D3DCCD1}">
-              <a14:hiddenFill xmlns:a14="http://schemas.microsoft.com/office/drawing/2010/main" xmlns="">
+              <a14:hiddenFill xmlns="" xmlns:a14="http://schemas.microsoft.com/office/drawing/2010/main">
                 <a:solidFill>
                   <a:srgbClr val="FFFFFF"/>
                 </a:solidFill>
               </a14:hiddenFill>
             </a:ext>
             <a:ext uri="{91240B29-F687-4f45-9708-019B960494DF}">
-              <a14:hiddenLine xmlns:a14="http://schemas.microsoft.com/office/drawing/2010/main" xmlns="" w="12700">
+              <a14:hiddenLine xmlns="" xmlns:a14="http://schemas.microsoft.com/office/drawing/2010/main" w="12700">
                 <a:solidFill>
                   <a:schemeClr val="tx1"/>
                 </a:solidFill>
@@ -6077,7 +6077,7 @@
               </a14:hiddenLine>
             </a:ext>
             <a:ext uri="{AF507438-7753-43e0-B8FC-AC1667EBCBE1}">
-              <a14:hiddenEffects xmlns:a14="http://schemas.microsoft.com/office/drawing/2010/main" xmlns="">
+              <a14:hiddenEffects xmlns="" xmlns:a14="http://schemas.microsoft.com/office/drawing/2010/main">
                 <a:effectLst>
                   <a:outerShdw blurRad="63500" dist="38099" dir="2700000" algn="ctr" rotWithShape="0">
                     <a:srgbClr val="000000">
@@ -6168,14 +6168,14 @@
           <a:effectLst/>
           <a:extLst>
             <a:ext uri="{909E8E84-426E-40dd-AFC4-6F175D3DCCD1}">
-              <a14:hiddenFill xmlns:a14="http://schemas.microsoft.com/office/drawing/2010/main" xmlns="">
+              <a14:hiddenFill xmlns="" xmlns:a14="http://schemas.microsoft.com/office/drawing/2010/main">
                 <a:solidFill>
                   <a:srgbClr val="FFFFFF"/>
                 </a:solidFill>
               </a14:hiddenFill>
             </a:ext>
             <a:ext uri="{91240B29-F687-4f45-9708-019B960494DF}">
-              <a14:hiddenLine xmlns:a14="http://schemas.microsoft.com/office/drawing/2010/main" xmlns="" w="12700">
+              <a14:hiddenLine xmlns="" xmlns:a14="http://schemas.microsoft.com/office/drawing/2010/main" w="12700">
                 <a:solidFill>
                   <a:schemeClr val="tx1"/>
                 </a:solidFill>
@@ -6185,7 +6185,7 @@
               </a14:hiddenLine>
             </a:ext>
             <a:ext uri="{AF507438-7753-43e0-B8FC-AC1667EBCBE1}">
-              <a14:hiddenEffects xmlns:a14="http://schemas.microsoft.com/office/drawing/2010/main" xmlns="">
+              <a14:hiddenEffects xmlns="" xmlns:a14="http://schemas.microsoft.com/office/drawing/2010/main">
                 <a:effectLst>
                   <a:outerShdw blurRad="63500" dist="38099" dir="2700000" algn="ctr" rotWithShape="0">
                     <a:srgbClr val="000000">
@@ -6880,17 +6880,17 @@
           <a:effectLst/>
           <a:extLst>
             <a:ext uri="{FAA26D3D-D897-4be2-8F04-BA451C77F1D7}">
-              <ma14:placeholderFlag xmlns:ma14="http://schemas.microsoft.com/office/mac/drawingml/2011/main" xmlns="" val="1"/>
+              <ma14:placeholderFlag xmlns="" xmlns:ma14="http://schemas.microsoft.com/office/mac/drawingml/2011/main" val="1"/>
             </a:ext>
             <a:ext uri="{909E8E84-426E-40dd-AFC4-6F175D3DCCD1}">
-              <a14:hiddenFill xmlns:a14="http://schemas.microsoft.com/office/drawing/2010/main" xmlns="">
+              <a14:hiddenFill xmlns="" xmlns:a14="http://schemas.microsoft.com/office/drawing/2010/main">
                 <a:solidFill>
                   <a:srgbClr val="FFFFFF"/>
                 </a:solidFill>
               </a14:hiddenFill>
             </a:ext>
             <a:ext uri="{91240B29-F687-4f45-9708-019B960494DF}">
-              <a14:hiddenLine xmlns:a14="http://schemas.microsoft.com/office/drawing/2010/main" xmlns="" w="12700">
+              <a14:hiddenLine xmlns="" xmlns:a14="http://schemas.microsoft.com/office/drawing/2010/main" w="12700">
                 <a:solidFill>
                   <a:schemeClr val="tx1"/>
                 </a:solidFill>
@@ -6900,7 +6900,7 @@
               </a14:hiddenLine>
             </a:ext>
             <a:ext uri="{AF507438-7753-43e0-B8FC-AC1667EBCBE1}">
-              <a14:hiddenEffects xmlns:a14="http://schemas.microsoft.com/office/drawing/2010/main" xmlns="">
+              <a14:hiddenEffects xmlns="" xmlns:a14="http://schemas.microsoft.com/office/drawing/2010/main">
                 <a:effectLst>
                   <a:outerShdw blurRad="63500" dist="38099" dir="2700000" algn="ctr" rotWithShape="0">
                     <a:srgbClr val="000000">
@@ -6955,17 +6955,17 @@
           <a:effectLst/>
           <a:extLst>
             <a:ext uri="{FAA26D3D-D897-4be2-8F04-BA451C77F1D7}">
-              <ma14:placeholderFlag xmlns:ma14="http://schemas.microsoft.com/office/mac/drawingml/2011/main" xmlns="" val="1"/>
+              <ma14:placeholderFlag xmlns="" xmlns:ma14="http://schemas.microsoft.com/office/mac/drawingml/2011/main" val="1"/>
             </a:ext>
             <a:ext uri="{909E8E84-426E-40dd-AFC4-6F175D3DCCD1}">
-              <a14:hiddenFill xmlns:a14="http://schemas.microsoft.com/office/drawing/2010/main" xmlns="">
+              <a14:hiddenFill xmlns="" xmlns:a14="http://schemas.microsoft.com/office/drawing/2010/main">
                 <a:solidFill>
                   <a:srgbClr val="FFFFFF"/>
                 </a:solidFill>
               </a14:hiddenFill>
             </a:ext>
             <a:ext uri="{91240B29-F687-4f45-9708-019B960494DF}">
-              <a14:hiddenLine xmlns:a14="http://schemas.microsoft.com/office/drawing/2010/main" xmlns="" w="12700">
+              <a14:hiddenLine xmlns="" xmlns:a14="http://schemas.microsoft.com/office/drawing/2010/main" w="12700">
                 <a:solidFill>
                   <a:schemeClr val="tx1"/>
                 </a:solidFill>
@@ -6975,7 +6975,7 @@
               </a14:hiddenLine>
             </a:ext>
             <a:ext uri="{AF507438-7753-43e0-B8FC-AC1667EBCBE1}">
-              <a14:hiddenEffects xmlns:a14="http://schemas.microsoft.com/office/drawing/2010/main" xmlns="">
+              <a14:hiddenEffects xmlns="" xmlns:a14="http://schemas.microsoft.com/office/drawing/2010/main">
                 <a:effectLst>
                   <a:outerShdw blurRad="63500" dist="38099" dir="2700000" algn="ctr" rotWithShape="0">
                     <a:srgbClr val="000000">
@@ -7066,14 +7066,14 @@
           <a:effectLst/>
           <a:extLst>
             <a:ext uri="{909E8E84-426E-40dd-AFC4-6F175D3DCCD1}">
-              <a14:hiddenFill xmlns:a14="http://schemas.microsoft.com/office/drawing/2010/main" xmlns="">
+              <a14:hiddenFill xmlns="" xmlns:a14="http://schemas.microsoft.com/office/drawing/2010/main">
                 <a:solidFill>
                   <a:srgbClr val="FFFFFF"/>
                 </a:solidFill>
               </a14:hiddenFill>
             </a:ext>
             <a:ext uri="{91240B29-F687-4f45-9708-019B960494DF}">
-              <a14:hiddenLine xmlns:a14="http://schemas.microsoft.com/office/drawing/2010/main" xmlns="" w="12700">
+              <a14:hiddenLine xmlns="" xmlns:a14="http://schemas.microsoft.com/office/drawing/2010/main" w="12700">
                 <a:solidFill>
                   <a:schemeClr val="tx1"/>
                 </a:solidFill>
@@ -7083,7 +7083,7 @@
               </a14:hiddenLine>
             </a:ext>
             <a:ext uri="{AF507438-7753-43e0-B8FC-AC1667EBCBE1}">
-              <a14:hiddenEffects xmlns:a14="http://schemas.microsoft.com/office/drawing/2010/main" xmlns="">
+              <a14:hiddenEffects xmlns="" xmlns:a14="http://schemas.microsoft.com/office/drawing/2010/main">
                 <a:effectLst>
                   <a:outerShdw blurRad="63500" dist="38099" dir="2700000" algn="ctr" rotWithShape="0">
                     <a:srgbClr val="000000">
@@ -8736,6 +8736,174 @@
               </a:rPr>
               <a:t> </a:t>
             </a:r>
+          </a:p>
+          <a:p>
+            <a:pPr marL="0" indent="0">
+              <a:buNone/>
+            </a:pPr>
+            <a:endParaRPr lang="en-US" altLang="zh-CN" sz="800" dirty="0">
+              <a:latin typeface="微软雅黑" panose="020B0503020204020204" pitchFamily="34" charset="-122"/>
+              <a:ea typeface="微软雅黑" panose="020B0503020204020204" pitchFamily="34" charset="-122"/>
+            </a:endParaRPr>
+          </a:p>
+          <a:p>
+            <a:pPr lvl="0">
+              <a:buClr>
+                <a:srgbClr val="00AA5B"/>
+              </a:buClr>
+            </a:pPr>
+            <a:r>
+              <a:rPr lang="en-US" altLang="zh-CN" dirty="0">
+                <a:solidFill>
+                  <a:srgbClr val="000000"/>
+                </a:solidFill>
+                <a:latin typeface="微软雅黑" panose="020B0503020204020204" pitchFamily="34" charset="-122"/>
+                <a:ea typeface="微软雅黑" panose="020B0503020204020204" pitchFamily="34" charset="-122"/>
+              </a:rPr>
+              <a:t>list [</a:t>
+            </a:r>
+            <a:r>
+              <a:rPr lang="zh-CN" altLang="en-US" dirty="0">
+                <a:solidFill>
+                  <a:srgbClr val="000000"/>
+                </a:solidFill>
+                <a:latin typeface="微软雅黑" panose="020B0503020204020204" pitchFamily="34" charset="-122"/>
+                <a:ea typeface="微软雅黑" panose="020B0503020204020204" pitchFamily="34" charset="-122"/>
+              </a:rPr>
+              <a:t>文件名</a:t>
+            </a:r>
+            <a:r>
+              <a:rPr lang="en-US" altLang="zh-CN" dirty="0">
+                <a:solidFill>
+                  <a:srgbClr val="000000"/>
+                </a:solidFill>
+                <a:latin typeface="微软雅黑" panose="020B0503020204020204" pitchFamily="34" charset="-122"/>
+                <a:ea typeface="微软雅黑" panose="020B0503020204020204" pitchFamily="34" charset="-122"/>
+              </a:rPr>
+              <a:t>:]</a:t>
+            </a:r>
+            <a:r>
+              <a:rPr lang="zh-CN" altLang="en-US" dirty="0">
+                <a:solidFill>
+                  <a:srgbClr val="000000"/>
+                </a:solidFill>
+                <a:latin typeface="微软雅黑" panose="020B0503020204020204" pitchFamily="34" charset="-122"/>
+                <a:ea typeface="微软雅黑" panose="020B0503020204020204" pitchFamily="34" charset="-122"/>
+              </a:rPr>
+              <a:t>行号</a:t>
+            </a:r>
+            <a:r>
+              <a:rPr lang="en-US" altLang="zh-CN" dirty="0">
+                <a:solidFill>
+                  <a:srgbClr val="000000"/>
+                </a:solidFill>
+                <a:latin typeface="微软雅黑" panose="020B0503020204020204" pitchFamily="34" charset="-122"/>
+                <a:ea typeface="微软雅黑" panose="020B0503020204020204" pitchFamily="34" charset="-122"/>
+              </a:rPr>
+              <a:t>/ [</a:t>
+            </a:r>
+            <a:r>
+              <a:rPr lang="zh-CN" altLang="en-US" dirty="0">
+                <a:solidFill>
+                  <a:srgbClr val="000000"/>
+                </a:solidFill>
+                <a:latin typeface="微软雅黑" panose="020B0503020204020204" pitchFamily="34" charset="-122"/>
+                <a:ea typeface="微软雅黑" panose="020B0503020204020204" pitchFamily="34" charset="-122"/>
+              </a:rPr>
+              <a:t>文件名</a:t>
+            </a:r>
+            <a:r>
+              <a:rPr lang="en-US" altLang="zh-CN" dirty="0">
+                <a:solidFill>
+                  <a:srgbClr val="000000"/>
+                </a:solidFill>
+                <a:latin typeface="微软雅黑" panose="020B0503020204020204" pitchFamily="34" charset="-122"/>
+                <a:ea typeface="微软雅黑" panose="020B0503020204020204" pitchFamily="34" charset="-122"/>
+              </a:rPr>
+              <a:t>:]</a:t>
+            </a:r>
+            <a:r>
+              <a:rPr lang="zh-CN" altLang="en-US" dirty="0">
+                <a:solidFill>
+                  <a:srgbClr val="000000"/>
+                </a:solidFill>
+                <a:latin typeface="微软雅黑" panose="020B0503020204020204" pitchFamily="34" charset="-122"/>
+                <a:ea typeface="微软雅黑" panose="020B0503020204020204" pitchFamily="34" charset="-122"/>
+              </a:rPr>
+              <a:t>函数名</a:t>
+            </a:r>
+            <a:endParaRPr lang="en-US" altLang="zh-CN" dirty="0">
+              <a:solidFill>
+                <a:srgbClr val="000000"/>
+              </a:solidFill>
+              <a:latin typeface="微软雅黑" panose="020B0503020204020204" pitchFamily="34" charset="-122"/>
+              <a:ea typeface="微软雅黑" panose="020B0503020204020204" pitchFamily="34" charset="-122"/>
+            </a:endParaRPr>
+          </a:p>
+          <a:p>
+            <a:pPr marL="0" indent="0">
+              <a:buNone/>
+            </a:pPr>
+            <a:r>
+              <a:rPr lang="zh-CN" altLang="en-US" sz="2800" dirty="0">
+                <a:latin typeface="微软雅黑" panose="020B0503020204020204" pitchFamily="34" charset="-122"/>
+                <a:ea typeface="微软雅黑" panose="020B0503020204020204" pitchFamily="34" charset="-122"/>
+              </a:rPr>
+              <a:t>在</a:t>
+            </a:r>
+            <a:r>
+              <a:rPr lang="en-US" altLang="zh-CN" sz="2800" dirty="0" err="1">
+                <a:latin typeface="微软雅黑" panose="020B0503020204020204" pitchFamily="34" charset="-122"/>
+                <a:ea typeface="微软雅黑" panose="020B0503020204020204" pitchFamily="34" charset="-122"/>
+              </a:rPr>
+              <a:t>gdb</a:t>
+            </a:r>
+            <a:r>
+              <a:rPr lang="zh-CN" altLang="en-US" sz="2800" dirty="0">
+                <a:latin typeface="微软雅黑" panose="020B0503020204020204" pitchFamily="34" charset="-122"/>
+                <a:ea typeface="微软雅黑" panose="020B0503020204020204" pitchFamily="34" charset="-122"/>
+              </a:rPr>
+              <a:t>中快速查看源码</a:t>
+            </a:r>
+            <a:endParaRPr lang="en-US" altLang="zh-CN" sz="2800" dirty="0">
+              <a:latin typeface="微软雅黑" panose="020B0503020204020204" pitchFamily="34" charset="-122"/>
+              <a:ea typeface="微软雅黑" panose="020B0503020204020204" pitchFamily="34" charset="-122"/>
+            </a:endParaRPr>
+          </a:p>
+          <a:p>
+            <a:pPr marL="0" lvl="0" indent="0">
+              <a:buClr>
+                <a:srgbClr val="00AA5B"/>
+              </a:buClr>
+              <a:buNone/>
+            </a:pPr>
+            <a:endParaRPr lang="en-US" altLang="zh-CN" dirty="0">
+              <a:solidFill>
+                <a:srgbClr val="000000"/>
+              </a:solidFill>
+              <a:latin typeface="微软雅黑" panose="020B0503020204020204" pitchFamily="34" charset="-122"/>
+              <a:ea typeface="微软雅黑" panose="020B0503020204020204" pitchFamily="34" charset="-122"/>
+            </a:endParaRPr>
+          </a:p>
+          <a:p>
+            <a:pPr marL="0" lvl="0" indent="0">
+              <a:buClr>
+                <a:srgbClr val="00AA5B"/>
+              </a:buClr>
+              <a:buNone/>
+            </a:pPr>
+            <a:endParaRPr lang="en-US" altLang="zh-CN" dirty="0">
+              <a:solidFill>
+                <a:srgbClr val="000000"/>
+              </a:solidFill>
+              <a:latin typeface="微软雅黑" panose="020B0503020204020204" pitchFamily="34" charset="-122"/>
+              <a:ea typeface="微软雅黑" panose="020B0503020204020204" pitchFamily="34" charset="-122"/>
+            </a:endParaRPr>
+          </a:p>
+          <a:p>
+            <a:pPr marL="0" indent="0">
+              <a:buNone/>
+            </a:pPr>
             <a:endParaRPr lang="zh-CN" altLang="en-US" sz="2800" dirty="0">
               <a:latin typeface="微软雅黑" panose="020B0503020204020204" pitchFamily="34" charset="-122"/>
               <a:ea typeface="微软雅黑" panose="020B0503020204020204" pitchFamily="34" charset="-122"/>
@@ -10513,17 +10681,17 @@
           <a:effectLst/>
           <a:extLst>
             <a:ext uri="{FAA26D3D-D897-4be2-8F04-BA451C77F1D7}">
-              <ma14:placeholderFlag xmlns:ma14="http://schemas.microsoft.com/office/mac/drawingml/2011/main" xmlns="" val="1"/>
+              <ma14:placeholderFlag xmlns="" xmlns:ma14="http://schemas.microsoft.com/office/mac/drawingml/2011/main" val="1"/>
             </a:ext>
             <a:ext uri="{909E8E84-426E-40dd-AFC4-6F175D3DCCD1}">
-              <a14:hiddenFill xmlns:a14="http://schemas.microsoft.com/office/drawing/2010/main" xmlns="">
+              <a14:hiddenFill xmlns="" xmlns:a14="http://schemas.microsoft.com/office/drawing/2010/main">
                 <a:solidFill>
                   <a:srgbClr val="FFFFFF"/>
                 </a:solidFill>
               </a14:hiddenFill>
             </a:ext>
             <a:ext uri="{91240B29-F687-4f45-9708-019B960494DF}">
-              <a14:hiddenLine xmlns:a14="http://schemas.microsoft.com/office/drawing/2010/main" xmlns="" w="12700">
+              <a14:hiddenLine xmlns="" xmlns:a14="http://schemas.microsoft.com/office/drawing/2010/main" w="12700">
                 <a:solidFill>
                   <a:schemeClr val="tx1"/>
                 </a:solidFill>
@@ -10533,7 +10701,7 @@
               </a14:hiddenLine>
             </a:ext>
             <a:ext uri="{AF507438-7753-43e0-B8FC-AC1667EBCBE1}">
-              <a14:hiddenEffects xmlns:a14="http://schemas.microsoft.com/office/drawing/2010/main" xmlns="">
+              <a14:hiddenEffects xmlns="" xmlns:a14="http://schemas.microsoft.com/office/drawing/2010/main">
                 <a:effectLst>
                   <a:outerShdw blurRad="63500" dist="38099" dir="2700000" algn="ctr" rotWithShape="0">
                     <a:srgbClr val="000000">
@@ -13626,7 +13794,7 @@
           <a:graphicData uri="http://schemas.openxmlformats.org/presentationml/2006/ole">
             <mc:AlternateContent xmlns:mc="http://schemas.openxmlformats.org/markup-compatibility/2006">
               <mc:Choice xmlns:v="urn:schemas-microsoft-com:vml" Requires="v">
-                <p:oleObj spid="_x0000_s1028" name="Acrobat Document" showAsIcon="1" r:id="rId5" imgW="914400" imgH="828720" progId="AcroExch.Document.11">
+                <p:oleObj spid="_x0000_s1032" name="Acrobat Document" showAsIcon="1" r:id="rId5" imgW="914400" imgH="828720" progId="AcroExch.Document.11">
                   <p:embed/>
                 </p:oleObj>
               </mc:Choice>
@@ -15235,7 +15403,7 @@
         <a:effectLst/>
         <a:extLst>
           <a:ext uri="{91240B29-F687-4f45-9708-019B960494DF}">
-            <a14:hiddenLine xmlns:a14="http://schemas.microsoft.com/office/drawing/2010/main" xmlns="" w="25400" cap="flat" cmpd="sng" algn="ctr">
+            <a14:hiddenLine xmlns="" xmlns:a14="http://schemas.microsoft.com/office/drawing/2010/main" w="25400" cap="flat" cmpd="sng" algn="ctr">
               <a:solidFill>
                 <a:srgbClr val="000000"/>
               </a:solidFill>
@@ -15246,7 +15414,7 @@
             </a14:hiddenLine>
           </a:ext>
           <a:ext uri="{AF507438-7753-43e0-B8FC-AC1667EBCBE1}">
-            <a14:hiddenEffects xmlns:a14="http://schemas.microsoft.com/office/drawing/2010/main" xmlns="">
+            <a14:hiddenEffects xmlns="" xmlns:a14="http://schemas.microsoft.com/office/drawing/2010/main">
               <a:effectLst>
                 <a:outerShdw blurRad="63500" dist="38099" dir="2700000" algn="ctr" rotWithShape="0">
                   <a:schemeClr val="bg2">
@@ -15622,7 +15790,7 @@
         <a:effectLst/>
         <a:extLst>
           <a:ext uri="{91240B29-F687-4f45-9708-019B960494DF}">
-            <a14:hiddenLine xmlns:a14="http://schemas.microsoft.com/office/drawing/2010/main" xmlns="" w="25400" cap="flat" cmpd="sng" algn="ctr">
+            <a14:hiddenLine xmlns="" xmlns:a14="http://schemas.microsoft.com/office/drawing/2010/main" w="25400" cap="flat" cmpd="sng" algn="ctr">
               <a:solidFill>
                 <a:srgbClr val="000000"/>
               </a:solidFill>
@@ -15633,7 +15801,7 @@
             </a14:hiddenLine>
           </a:ext>
           <a:ext uri="{AF507438-7753-43e0-B8FC-AC1667EBCBE1}">
-            <a14:hiddenEffects xmlns:a14="http://schemas.microsoft.com/office/drawing/2010/main" xmlns="">
+            <a14:hiddenEffects xmlns="" xmlns:a14="http://schemas.microsoft.com/office/drawing/2010/main">
               <a:effectLst>
                 <a:outerShdw blurRad="63500" dist="38099" dir="2700000" algn="ctr" rotWithShape="0">
                   <a:schemeClr val="bg2">
